--- a/documents/SQL Server Temporal Tables in EF Core 6.0.pptx
+++ b/documents/SQL Server Temporal Tables in EF Core 6.0.pptx
@@ -15,10 +15,9 @@
     <p:sldId id="276" r:id="rId9"/>
     <p:sldId id="281" r:id="rId10"/>
     <p:sldId id="277" r:id="rId11"/>
-    <p:sldId id="282" r:id="rId12"/>
-    <p:sldId id="283" r:id="rId13"/>
-    <p:sldId id="278" r:id="rId14"/>
-    <p:sldId id="273" r:id="rId15"/>
+    <p:sldId id="283" r:id="rId12"/>
+    <p:sldId id="278" r:id="rId13"/>
+    <p:sldId id="273" r:id="rId14"/>
   </p:sldIdLst>
   <p:sldSz cx="12192000" cy="6858000"/>
   <p:notesSz cx="6858000" cy="9144000"/>
@@ -1259,7 +1258,7 @@
           <a:p>
             <a:fld id="{1036C169-70BF-412B-BAB2-4313ADDFA40A}" type="datetimeFigureOut">
               <a:rPr lang="fa-IR" smtClean="0"/>
-              <a:t>21/04/1443</a:t>
+              <a:t>22/04/1443</a:t>
             </a:fld>
             <a:endParaRPr lang="fa-IR"/>
           </a:p>
@@ -1521,7 +1520,7 @@
           <a:p>
             <a:fld id="{1036C169-70BF-412B-BAB2-4313ADDFA40A}" type="datetimeFigureOut">
               <a:rPr lang="fa-IR" smtClean="0"/>
-              <a:t>21/04/1443</a:t>
+              <a:t>22/04/1443</a:t>
             </a:fld>
             <a:endParaRPr lang="fa-IR"/>
           </a:p>
@@ -1756,7 +1755,7 @@
           <a:p>
             <a:fld id="{1036C169-70BF-412B-BAB2-4313ADDFA40A}" type="datetimeFigureOut">
               <a:rPr lang="fa-IR" smtClean="0"/>
-              <a:t>21/04/1443</a:t>
+              <a:t>22/04/1443</a:t>
             </a:fld>
             <a:endParaRPr lang="fa-IR"/>
           </a:p>
@@ -1996,7 +1995,7 @@
           <a:p>
             <a:fld id="{1036C169-70BF-412B-BAB2-4313ADDFA40A}" type="datetimeFigureOut">
               <a:rPr lang="fa-IR" smtClean="0"/>
-              <a:t>21/04/1443</a:t>
+              <a:t>22/04/1443</a:t>
             </a:fld>
             <a:endParaRPr lang="fa-IR"/>
           </a:p>
@@ -2303,7 +2302,7 @@
           <a:p>
             <a:fld id="{1036C169-70BF-412B-BAB2-4313ADDFA40A}" type="datetimeFigureOut">
               <a:rPr lang="fa-IR" smtClean="0"/>
-              <a:t>21/04/1443</a:t>
+              <a:t>22/04/1443</a:t>
             </a:fld>
             <a:endParaRPr lang="fa-IR"/>
           </a:p>
@@ -2605,7 +2604,7 @@
           <a:p>
             <a:fld id="{1036C169-70BF-412B-BAB2-4313ADDFA40A}" type="datetimeFigureOut">
               <a:rPr lang="fa-IR" smtClean="0"/>
-              <a:t>21/04/1443</a:t>
+              <a:t>22/04/1443</a:t>
             </a:fld>
             <a:endParaRPr lang="fa-IR"/>
           </a:p>
@@ -3027,7 +3026,7 @@
           <a:p>
             <a:fld id="{1036C169-70BF-412B-BAB2-4313ADDFA40A}" type="datetimeFigureOut">
               <a:rPr lang="fa-IR" smtClean="0"/>
-              <a:t>21/04/1443</a:t>
+              <a:t>22/04/1443</a:t>
             </a:fld>
             <a:endParaRPr lang="fa-IR"/>
           </a:p>
@@ -3122,7 +3121,7 @@
           <a:p>
             <a:fld id="{1036C169-70BF-412B-BAB2-4313ADDFA40A}" type="datetimeFigureOut">
               <a:rPr lang="fa-IR" smtClean="0"/>
-              <a:t>21/04/1443</a:t>
+              <a:t>22/04/1443</a:t>
             </a:fld>
             <a:endParaRPr lang="fa-IR"/>
           </a:p>
@@ -3284,7 +3283,7 @@
           <a:p>
             <a:fld id="{1036C169-70BF-412B-BAB2-4313ADDFA40A}" type="datetimeFigureOut">
               <a:rPr lang="fa-IR" smtClean="0"/>
-              <a:t>21/04/1443</a:t>
+              <a:t>22/04/1443</a:t>
             </a:fld>
             <a:endParaRPr lang="fa-IR"/>
           </a:p>
@@ -3662,7 +3661,7 @@
           <a:p>
             <a:fld id="{1036C169-70BF-412B-BAB2-4313ADDFA40A}" type="datetimeFigureOut">
               <a:rPr lang="fa-IR" smtClean="0"/>
-              <a:t>21/04/1443</a:t>
+              <a:t>22/04/1443</a:t>
             </a:fld>
             <a:endParaRPr lang="fa-IR"/>
           </a:p>
@@ -3951,7 +3950,7 @@
           <a:p>
             <a:fld id="{1036C169-70BF-412B-BAB2-4313ADDFA40A}" type="datetimeFigureOut">
               <a:rPr lang="fa-IR" smtClean="0"/>
-              <a:t>21/04/1443</a:t>
+              <a:t>22/04/1443</a:t>
             </a:fld>
             <a:endParaRPr lang="fa-IR"/>
           </a:p>
@@ -4176,7 +4175,7 @@
           <a:p>
             <a:fld id="{1036C169-70BF-412B-BAB2-4313ADDFA40A}" type="datetimeFigureOut">
               <a:rPr lang="fa-IR" smtClean="0"/>
-              <a:t>21/04/1443</a:t>
+              <a:t>22/04/1443</a:t>
             </a:fld>
             <a:endParaRPr lang="fa-IR"/>
           </a:p>
@@ -5882,883 +5881,6 @@
           </a:p>
         </p:txBody>
       </p:sp>
-      <p:sp>
-        <p:nvSpPr>
-          <p:cNvPr id="3" name="Content Placeholder 2"/>
-          <p:cNvSpPr>
-            <a:spLocks noGrp="1"/>
-          </p:cNvSpPr>
-          <p:nvPr>
-            <p:ph idx="1"/>
-          </p:nvPr>
-        </p:nvSpPr>
-        <p:spPr>
-          <a:xfrm>
-            <a:off x="581193" y="1979721"/>
-            <a:ext cx="11029615" cy="4816134"/>
-          </a:xfrm>
-        </p:spPr>
-        <p:txBody>
-          <a:bodyPr anchor="t">
-            <a:normAutofit fontScale="85000" lnSpcReduction="10000"/>
-          </a:bodyPr>
-          <a:lstStyle/>
-          <a:p>
-            <a:pPr algn="l" rtl="0">
-              <a:lnSpc>
-                <a:spcPct val="160000"/>
-              </a:lnSpc>
-            </a:pPr>
-            <a:r>
-              <a:rPr lang="en-US" sz="2000" b="1" dirty="0" err="1">
-                <a:solidFill>
-                  <a:srgbClr val="512CD4"/>
-                </a:solidFill>
-                <a:latin typeface="MV Boli" panose="02000500030200090000" pitchFamily="2" charset="0"/>
-                <a:cs typeface="MV Boli" panose="02000500030200090000" pitchFamily="2" charset="0"/>
-              </a:rPr>
-              <a:t>TemporalAsOf</a:t>
-            </a:r>
-            <a:r>
-              <a:rPr lang="en-US" sz="2000" b="1" dirty="0">
-                <a:solidFill>
-                  <a:srgbClr val="512CD4"/>
-                </a:solidFill>
-                <a:latin typeface="MV Boli" panose="02000500030200090000" pitchFamily="2" charset="0"/>
-                <a:cs typeface="MV Boli" panose="02000500030200090000" pitchFamily="2" charset="0"/>
-              </a:rPr>
-              <a:t>: Returns rows that were active (current) at the given UTC time. This is a single row from the history table for a given primary key.</a:t>
-            </a:r>
-          </a:p>
-          <a:p>
-            <a:pPr algn="l" rtl="0">
-              <a:lnSpc>
-                <a:spcPct val="160000"/>
-              </a:lnSpc>
-            </a:pPr>
-            <a:r>
-              <a:rPr lang="en-US" sz="2000" b="1" dirty="0" err="1">
-                <a:solidFill>
-                  <a:srgbClr val="512CD4"/>
-                </a:solidFill>
-                <a:latin typeface="MV Boli" panose="02000500030200090000" pitchFamily="2" charset="0"/>
-                <a:cs typeface="MV Boli" panose="02000500030200090000" pitchFamily="2" charset="0"/>
-              </a:rPr>
-              <a:t>TemporalAll</a:t>
-            </a:r>
-            <a:r>
-              <a:rPr lang="en-US" sz="2000" b="1" dirty="0">
-                <a:solidFill>
-                  <a:srgbClr val="512CD4"/>
-                </a:solidFill>
-                <a:latin typeface="MV Boli" panose="02000500030200090000" pitchFamily="2" charset="0"/>
-                <a:cs typeface="MV Boli" panose="02000500030200090000" pitchFamily="2" charset="0"/>
-              </a:rPr>
-              <a:t>: Returns all rows in the historical data. This is typically many rows from the history table for a given primary key.</a:t>
-            </a:r>
-          </a:p>
-          <a:p>
-            <a:pPr algn="l" rtl="0">
-              <a:lnSpc>
-                <a:spcPct val="160000"/>
-              </a:lnSpc>
-            </a:pPr>
-            <a:r>
-              <a:rPr lang="en-US" sz="2000" b="1" dirty="0" err="1">
-                <a:solidFill>
-                  <a:srgbClr val="512CD4"/>
-                </a:solidFill>
-                <a:latin typeface="MV Boli" panose="02000500030200090000" pitchFamily="2" charset="0"/>
-                <a:cs typeface="MV Boli" panose="02000500030200090000" pitchFamily="2" charset="0"/>
-              </a:rPr>
-              <a:t>TemporalFromTo</a:t>
-            </a:r>
-            <a:r>
-              <a:rPr lang="en-US" sz="2000" b="1" dirty="0">
-                <a:solidFill>
-                  <a:srgbClr val="512CD4"/>
-                </a:solidFill>
-                <a:latin typeface="MV Boli" panose="02000500030200090000" pitchFamily="2" charset="0"/>
-                <a:cs typeface="MV Boli" panose="02000500030200090000" pitchFamily="2" charset="0"/>
-              </a:rPr>
-              <a:t>: Returns all rows that were active between two given UTC times. This may be many rows from the history table for a given primary key.</a:t>
-            </a:r>
-          </a:p>
-          <a:p>
-            <a:pPr algn="l" rtl="0">
-              <a:lnSpc>
-                <a:spcPct val="160000"/>
-              </a:lnSpc>
-            </a:pPr>
-            <a:r>
-              <a:rPr lang="en-US" sz="2000" b="1" dirty="0" err="1">
-                <a:solidFill>
-                  <a:srgbClr val="512CD4"/>
-                </a:solidFill>
-                <a:latin typeface="MV Boli" panose="02000500030200090000" pitchFamily="2" charset="0"/>
-                <a:cs typeface="MV Boli" panose="02000500030200090000" pitchFamily="2" charset="0"/>
-              </a:rPr>
-              <a:t>TemporalBetween</a:t>
-            </a:r>
-            <a:r>
-              <a:rPr lang="en-US" sz="2000" b="1" dirty="0">
-                <a:solidFill>
-                  <a:srgbClr val="512CD4"/>
-                </a:solidFill>
-                <a:latin typeface="MV Boli" panose="02000500030200090000" pitchFamily="2" charset="0"/>
-                <a:cs typeface="MV Boli" panose="02000500030200090000" pitchFamily="2" charset="0"/>
-              </a:rPr>
-              <a:t>: The same as </a:t>
-            </a:r>
-            <a:r>
-              <a:rPr lang="en-US" sz="2000" b="1" dirty="0" err="1">
-                <a:solidFill>
-                  <a:srgbClr val="512CD4"/>
-                </a:solidFill>
-                <a:latin typeface="MV Boli" panose="02000500030200090000" pitchFamily="2" charset="0"/>
-                <a:cs typeface="MV Boli" panose="02000500030200090000" pitchFamily="2" charset="0"/>
-              </a:rPr>
-              <a:t>TemporalFromTo</a:t>
-            </a:r>
-            <a:r>
-              <a:rPr lang="en-US" sz="2000" b="1" dirty="0">
-                <a:solidFill>
-                  <a:srgbClr val="512CD4"/>
-                </a:solidFill>
-                <a:latin typeface="MV Boli" panose="02000500030200090000" pitchFamily="2" charset="0"/>
-                <a:cs typeface="MV Boli" panose="02000500030200090000" pitchFamily="2" charset="0"/>
-              </a:rPr>
-              <a:t>, except that rows are included that became active on the upper boundary.</a:t>
-            </a:r>
-          </a:p>
-          <a:p>
-            <a:pPr algn="l" rtl="0">
-              <a:lnSpc>
-                <a:spcPct val="160000"/>
-              </a:lnSpc>
-            </a:pPr>
-            <a:r>
-              <a:rPr lang="en-US" sz="2000" b="1" dirty="0" err="1">
-                <a:solidFill>
-                  <a:srgbClr val="512CD4"/>
-                </a:solidFill>
-                <a:latin typeface="MV Boli" panose="02000500030200090000" pitchFamily="2" charset="0"/>
-                <a:cs typeface="MV Boli" panose="02000500030200090000" pitchFamily="2" charset="0"/>
-              </a:rPr>
-              <a:t>TemporalContainedIn</a:t>
-            </a:r>
-            <a:r>
-              <a:rPr lang="en-US" sz="2000" b="1" dirty="0">
-                <a:solidFill>
-                  <a:srgbClr val="512CD4"/>
-                </a:solidFill>
-                <a:latin typeface="MV Boli" panose="02000500030200090000" pitchFamily="2" charset="0"/>
-                <a:cs typeface="MV Boli" panose="02000500030200090000" pitchFamily="2" charset="0"/>
-              </a:rPr>
-              <a:t>: : Returns all rows that started being active and ended being active between two given UTC times. This may be many rows from the history table for a given primary key.</a:t>
-            </a:r>
-          </a:p>
-        </p:txBody>
-      </p:sp>
-      <p:pic>
-        <p:nvPicPr>
-          <p:cNvPr id="6" name="Picture 5">
-            <a:extLst>
-              <a:ext uri="{FF2B5EF4-FFF2-40B4-BE49-F238E27FC236}">
-                <a16:creationId xmlns:a16="http://schemas.microsoft.com/office/drawing/2014/main" id="{2E2EF164-38A5-4D8E-8B37-649529B4FDF0}"/>
-              </a:ext>
-            </a:extLst>
-          </p:cNvPr>
-          <p:cNvPicPr>
-            <a:picLocks noChangeAspect="1"/>
-          </p:cNvPicPr>
-          <p:nvPr/>
-        </p:nvPicPr>
-        <p:blipFill>
-          <a:blip r:embed="rId2"/>
-          <a:stretch>
-            <a:fillRect/>
-          </a:stretch>
-        </p:blipFill>
-        <p:spPr>
-          <a:xfrm>
-            <a:off x="10632142" y="719723"/>
-            <a:ext cx="978666" cy="978666"/>
-          </a:xfrm>
-          <a:prstGeom prst="rect">
-            <a:avLst/>
-          </a:prstGeom>
-        </p:spPr>
-      </p:pic>
-    </p:spTree>
-    <p:extLst>
-      <p:ext uri="{BB962C8B-B14F-4D97-AF65-F5344CB8AC3E}">
-        <p14:creationId xmlns:p14="http://schemas.microsoft.com/office/powerpoint/2010/main" val="3255997088"/>
-      </p:ext>
-    </p:extLst>
-  </p:cSld>
-  <p:clrMapOvr>
-    <a:masterClrMapping/>
-  </p:clrMapOvr>
-  <p:transition spd="slow">
-    <p:push dir="u"/>
-  </p:transition>
-  <p:timing>
-    <p:tnLst>
-      <p:par>
-        <p:cTn id="1" dur="indefinite" restart="never" nodeType="tmRoot">
-          <p:childTnLst>
-            <p:seq concurrent="1" nextAc="seek">
-              <p:cTn id="2" dur="indefinite" nodeType="mainSeq">
-                <p:childTnLst>
-                  <p:par>
-                    <p:cTn id="3" fill="hold">
-                      <p:stCondLst>
-                        <p:cond delay="indefinite"/>
-                      </p:stCondLst>
-                      <p:childTnLst>
-                        <p:par>
-                          <p:cTn id="4" fill="hold">
-                            <p:stCondLst>
-                              <p:cond delay="0"/>
-                            </p:stCondLst>
-                            <p:childTnLst>
-                              <p:par>
-                                <p:cTn id="5" presetID="42" presetClass="entr" presetSubtype="0" fill="hold" grpId="0" nodeType="clickEffect">
-                                  <p:stCondLst>
-                                    <p:cond delay="0"/>
-                                  </p:stCondLst>
-                                  <p:childTnLst>
-                                    <p:set>
-                                      <p:cBhvr>
-                                        <p:cTn id="6" dur="1" fill="hold">
-                                          <p:stCondLst>
-                                            <p:cond delay="0"/>
-                                          </p:stCondLst>
-                                        </p:cTn>
-                                        <p:tgtEl>
-                                          <p:spTgt spid="3">
-                                            <p:txEl>
-                                              <p:pRg st="0" end="0"/>
-                                            </p:txEl>
-                                          </p:spTgt>
-                                        </p:tgtEl>
-                                        <p:attrNameLst>
-                                          <p:attrName>style.visibility</p:attrName>
-                                        </p:attrNameLst>
-                                      </p:cBhvr>
-                                      <p:to>
-                                        <p:strVal val="visible"/>
-                                      </p:to>
-                                    </p:set>
-                                    <p:animEffect transition="in" filter="fade">
-                                      <p:cBhvr>
-                                        <p:cTn id="7" dur="1000"/>
-                                        <p:tgtEl>
-                                          <p:spTgt spid="3">
-                                            <p:txEl>
-                                              <p:pRg st="0" end="0"/>
-                                            </p:txEl>
-                                          </p:spTgt>
-                                        </p:tgtEl>
-                                      </p:cBhvr>
-                                    </p:animEffect>
-                                    <p:anim calcmode="lin" valueType="num">
-                                      <p:cBhvr>
-                                        <p:cTn id="8" dur="1000" fill="hold"/>
-                                        <p:tgtEl>
-                                          <p:spTgt spid="3">
-                                            <p:txEl>
-                                              <p:pRg st="0" end="0"/>
-                                            </p:txEl>
-                                          </p:spTgt>
-                                        </p:tgtEl>
-                                        <p:attrNameLst>
-                                          <p:attrName>ppt_x</p:attrName>
-                                        </p:attrNameLst>
-                                      </p:cBhvr>
-                                      <p:tavLst>
-                                        <p:tav tm="0">
-                                          <p:val>
-                                            <p:strVal val="#ppt_x"/>
-                                          </p:val>
-                                        </p:tav>
-                                        <p:tav tm="100000">
-                                          <p:val>
-                                            <p:strVal val="#ppt_x"/>
-                                          </p:val>
-                                        </p:tav>
-                                      </p:tavLst>
-                                    </p:anim>
-                                    <p:anim calcmode="lin" valueType="num">
-                                      <p:cBhvr>
-                                        <p:cTn id="9" dur="1000" fill="hold"/>
-                                        <p:tgtEl>
-                                          <p:spTgt spid="3">
-                                            <p:txEl>
-                                              <p:pRg st="0" end="0"/>
-                                            </p:txEl>
-                                          </p:spTgt>
-                                        </p:tgtEl>
-                                        <p:attrNameLst>
-                                          <p:attrName>ppt_y</p:attrName>
-                                        </p:attrNameLst>
-                                      </p:cBhvr>
-                                      <p:tavLst>
-                                        <p:tav tm="0">
-                                          <p:val>
-                                            <p:strVal val="#ppt_y+.1"/>
-                                          </p:val>
-                                        </p:tav>
-                                        <p:tav tm="100000">
-                                          <p:val>
-                                            <p:strVal val="#ppt_y"/>
-                                          </p:val>
-                                        </p:tav>
-                                      </p:tavLst>
-                                    </p:anim>
-                                  </p:childTnLst>
-                                </p:cTn>
-                              </p:par>
-                            </p:childTnLst>
-                          </p:cTn>
-                        </p:par>
-                      </p:childTnLst>
-                    </p:cTn>
-                  </p:par>
-                  <p:par>
-                    <p:cTn id="10" fill="hold">
-                      <p:stCondLst>
-                        <p:cond delay="indefinite"/>
-                      </p:stCondLst>
-                      <p:childTnLst>
-                        <p:par>
-                          <p:cTn id="11" fill="hold">
-                            <p:stCondLst>
-                              <p:cond delay="0"/>
-                            </p:stCondLst>
-                            <p:childTnLst>
-                              <p:par>
-                                <p:cTn id="12" presetID="42" presetClass="entr" presetSubtype="0" fill="hold" grpId="0" nodeType="clickEffect">
-                                  <p:stCondLst>
-                                    <p:cond delay="0"/>
-                                  </p:stCondLst>
-                                  <p:childTnLst>
-                                    <p:set>
-                                      <p:cBhvr>
-                                        <p:cTn id="13" dur="1" fill="hold">
-                                          <p:stCondLst>
-                                            <p:cond delay="0"/>
-                                          </p:stCondLst>
-                                        </p:cTn>
-                                        <p:tgtEl>
-                                          <p:spTgt spid="3">
-                                            <p:txEl>
-                                              <p:pRg st="1" end="1"/>
-                                            </p:txEl>
-                                          </p:spTgt>
-                                        </p:tgtEl>
-                                        <p:attrNameLst>
-                                          <p:attrName>style.visibility</p:attrName>
-                                        </p:attrNameLst>
-                                      </p:cBhvr>
-                                      <p:to>
-                                        <p:strVal val="visible"/>
-                                      </p:to>
-                                    </p:set>
-                                    <p:animEffect transition="in" filter="fade">
-                                      <p:cBhvr>
-                                        <p:cTn id="14" dur="1000"/>
-                                        <p:tgtEl>
-                                          <p:spTgt spid="3">
-                                            <p:txEl>
-                                              <p:pRg st="1" end="1"/>
-                                            </p:txEl>
-                                          </p:spTgt>
-                                        </p:tgtEl>
-                                      </p:cBhvr>
-                                    </p:animEffect>
-                                    <p:anim calcmode="lin" valueType="num">
-                                      <p:cBhvr>
-                                        <p:cTn id="15" dur="1000" fill="hold"/>
-                                        <p:tgtEl>
-                                          <p:spTgt spid="3">
-                                            <p:txEl>
-                                              <p:pRg st="1" end="1"/>
-                                            </p:txEl>
-                                          </p:spTgt>
-                                        </p:tgtEl>
-                                        <p:attrNameLst>
-                                          <p:attrName>ppt_x</p:attrName>
-                                        </p:attrNameLst>
-                                      </p:cBhvr>
-                                      <p:tavLst>
-                                        <p:tav tm="0">
-                                          <p:val>
-                                            <p:strVal val="#ppt_x"/>
-                                          </p:val>
-                                        </p:tav>
-                                        <p:tav tm="100000">
-                                          <p:val>
-                                            <p:strVal val="#ppt_x"/>
-                                          </p:val>
-                                        </p:tav>
-                                      </p:tavLst>
-                                    </p:anim>
-                                    <p:anim calcmode="lin" valueType="num">
-                                      <p:cBhvr>
-                                        <p:cTn id="16" dur="1000" fill="hold"/>
-                                        <p:tgtEl>
-                                          <p:spTgt spid="3">
-                                            <p:txEl>
-                                              <p:pRg st="1" end="1"/>
-                                            </p:txEl>
-                                          </p:spTgt>
-                                        </p:tgtEl>
-                                        <p:attrNameLst>
-                                          <p:attrName>ppt_y</p:attrName>
-                                        </p:attrNameLst>
-                                      </p:cBhvr>
-                                      <p:tavLst>
-                                        <p:tav tm="0">
-                                          <p:val>
-                                            <p:strVal val="#ppt_y+.1"/>
-                                          </p:val>
-                                        </p:tav>
-                                        <p:tav tm="100000">
-                                          <p:val>
-                                            <p:strVal val="#ppt_y"/>
-                                          </p:val>
-                                        </p:tav>
-                                      </p:tavLst>
-                                    </p:anim>
-                                  </p:childTnLst>
-                                </p:cTn>
-                              </p:par>
-                            </p:childTnLst>
-                          </p:cTn>
-                        </p:par>
-                      </p:childTnLst>
-                    </p:cTn>
-                  </p:par>
-                  <p:par>
-                    <p:cTn id="17" fill="hold">
-                      <p:stCondLst>
-                        <p:cond delay="indefinite"/>
-                      </p:stCondLst>
-                      <p:childTnLst>
-                        <p:par>
-                          <p:cTn id="18" fill="hold">
-                            <p:stCondLst>
-                              <p:cond delay="0"/>
-                            </p:stCondLst>
-                            <p:childTnLst>
-                              <p:par>
-                                <p:cTn id="19" presetID="42" presetClass="entr" presetSubtype="0" fill="hold" grpId="0" nodeType="clickEffect">
-                                  <p:stCondLst>
-                                    <p:cond delay="0"/>
-                                  </p:stCondLst>
-                                  <p:childTnLst>
-                                    <p:set>
-                                      <p:cBhvr>
-                                        <p:cTn id="20" dur="1" fill="hold">
-                                          <p:stCondLst>
-                                            <p:cond delay="0"/>
-                                          </p:stCondLst>
-                                        </p:cTn>
-                                        <p:tgtEl>
-                                          <p:spTgt spid="3">
-                                            <p:txEl>
-                                              <p:pRg st="2" end="2"/>
-                                            </p:txEl>
-                                          </p:spTgt>
-                                        </p:tgtEl>
-                                        <p:attrNameLst>
-                                          <p:attrName>style.visibility</p:attrName>
-                                        </p:attrNameLst>
-                                      </p:cBhvr>
-                                      <p:to>
-                                        <p:strVal val="visible"/>
-                                      </p:to>
-                                    </p:set>
-                                    <p:animEffect transition="in" filter="fade">
-                                      <p:cBhvr>
-                                        <p:cTn id="21" dur="1000"/>
-                                        <p:tgtEl>
-                                          <p:spTgt spid="3">
-                                            <p:txEl>
-                                              <p:pRg st="2" end="2"/>
-                                            </p:txEl>
-                                          </p:spTgt>
-                                        </p:tgtEl>
-                                      </p:cBhvr>
-                                    </p:animEffect>
-                                    <p:anim calcmode="lin" valueType="num">
-                                      <p:cBhvr>
-                                        <p:cTn id="22" dur="1000" fill="hold"/>
-                                        <p:tgtEl>
-                                          <p:spTgt spid="3">
-                                            <p:txEl>
-                                              <p:pRg st="2" end="2"/>
-                                            </p:txEl>
-                                          </p:spTgt>
-                                        </p:tgtEl>
-                                        <p:attrNameLst>
-                                          <p:attrName>ppt_x</p:attrName>
-                                        </p:attrNameLst>
-                                      </p:cBhvr>
-                                      <p:tavLst>
-                                        <p:tav tm="0">
-                                          <p:val>
-                                            <p:strVal val="#ppt_x"/>
-                                          </p:val>
-                                        </p:tav>
-                                        <p:tav tm="100000">
-                                          <p:val>
-                                            <p:strVal val="#ppt_x"/>
-                                          </p:val>
-                                        </p:tav>
-                                      </p:tavLst>
-                                    </p:anim>
-                                    <p:anim calcmode="lin" valueType="num">
-                                      <p:cBhvr>
-                                        <p:cTn id="23" dur="1000" fill="hold"/>
-                                        <p:tgtEl>
-                                          <p:spTgt spid="3">
-                                            <p:txEl>
-                                              <p:pRg st="2" end="2"/>
-                                            </p:txEl>
-                                          </p:spTgt>
-                                        </p:tgtEl>
-                                        <p:attrNameLst>
-                                          <p:attrName>ppt_y</p:attrName>
-                                        </p:attrNameLst>
-                                      </p:cBhvr>
-                                      <p:tavLst>
-                                        <p:tav tm="0">
-                                          <p:val>
-                                            <p:strVal val="#ppt_y+.1"/>
-                                          </p:val>
-                                        </p:tav>
-                                        <p:tav tm="100000">
-                                          <p:val>
-                                            <p:strVal val="#ppt_y"/>
-                                          </p:val>
-                                        </p:tav>
-                                      </p:tavLst>
-                                    </p:anim>
-                                  </p:childTnLst>
-                                </p:cTn>
-                              </p:par>
-                            </p:childTnLst>
-                          </p:cTn>
-                        </p:par>
-                      </p:childTnLst>
-                    </p:cTn>
-                  </p:par>
-                  <p:par>
-                    <p:cTn id="24" fill="hold">
-                      <p:stCondLst>
-                        <p:cond delay="indefinite"/>
-                      </p:stCondLst>
-                      <p:childTnLst>
-                        <p:par>
-                          <p:cTn id="25" fill="hold">
-                            <p:stCondLst>
-                              <p:cond delay="0"/>
-                            </p:stCondLst>
-                            <p:childTnLst>
-                              <p:par>
-                                <p:cTn id="26" presetID="42" presetClass="entr" presetSubtype="0" fill="hold" grpId="0" nodeType="clickEffect">
-                                  <p:stCondLst>
-                                    <p:cond delay="0"/>
-                                  </p:stCondLst>
-                                  <p:childTnLst>
-                                    <p:set>
-                                      <p:cBhvr>
-                                        <p:cTn id="27" dur="1" fill="hold">
-                                          <p:stCondLst>
-                                            <p:cond delay="0"/>
-                                          </p:stCondLst>
-                                        </p:cTn>
-                                        <p:tgtEl>
-                                          <p:spTgt spid="3">
-                                            <p:txEl>
-                                              <p:pRg st="3" end="3"/>
-                                            </p:txEl>
-                                          </p:spTgt>
-                                        </p:tgtEl>
-                                        <p:attrNameLst>
-                                          <p:attrName>style.visibility</p:attrName>
-                                        </p:attrNameLst>
-                                      </p:cBhvr>
-                                      <p:to>
-                                        <p:strVal val="visible"/>
-                                      </p:to>
-                                    </p:set>
-                                    <p:animEffect transition="in" filter="fade">
-                                      <p:cBhvr>
-                                        <p:cTn id="28" dur="1000"/>
-                                        <p:tgtEl>
-                                          <p:spTgt spid="3">
-                                            <p:txEl>
-                                              <p:pRg st="3" end="3"/>
-                                            </p:txEl>
-                                          </p:spTgt>
-                                        </p:tgtEl>
-                                      </p:cBhvr>
-                                    </p:animEffect>
-                                    <p:anim calcmode="lin" valueType="num">
-                                      <p:cBhvr>
-                                        <p:cTn id="29" dur="1000" fill="hold"/>
-                                        <p:tgtEl>
-                                          <p:spTgt spid="3">
-                                            <p:txEl>
-                                              <p:pRg st="3" end="3"/>
-                                            </p:txEl>
-                                          </p:spTgt>
-                                        </p:tgtEl>
-                                        <p:attrNameLst>
-                                          <p:attrName>ppt_x</p:attrName>
-                                        </p:attrNameLst>
-                                      </p:cBhvr>
-                                      <p:tavLst>
-                                        <p:tav tm="0">
-                                          <p:val>
-                                            <p:strVal val="#ppt_x"/>
-                                          </p:val>
-                                        </p:tav>
-                                        <p:tav tm="100000">
-                                          <p:val>
-                                            <p:strVal val="#ppt_x"/>
-                                          </p:val>
-                                        </p:tav>
-                                      </p:tavLst>
-                                    </p:anim>
-                                    <p:anim calcmode="lin" valueType="num">
-                                      <p:cBhvr>
-                                        <p:cTn id="30" dur="1000" fill="hold"/>
-                                        <p:tgtEl>
-                                          <p:spTgt spid="3">
-                                            <p:txEl>
-                                              <p:pRg st="3" end="3"/>
-                                            </p:txEl>
-                                          </p:spTgt>
-                                        </p:tgtEl>
-                                        <p:attrNameLst>
-                                          <p:attrName>ppt_y</p:attrName>
-                                        </p:attrNameLst>
-                                      </p:cBhvr>
-                                      <p:tavLst>
-                                        <p:tav tm="0">
-                                          <p:val>
-                                            <p:strVal val="#ppt_y+.1"/>
-                                          </p:val>
-                                        </p:tav>
-                                        <p:tav tm="100000">
-                                          <p:val>
-                                            <p:strVal val="#ppt_y"/>
-                                          </p:val>
-                                        </p:tav>
-                                      </p:tavLst>
-                                    </p:anim>
-                                  </p:childTnLst>
-                                </p:cTn>
-                              </p:par>
-                            </p:childTnLst>
-                          </p:cTn>
-                        </p:par>
-                      </p:childTnLst>
-                    </p:cTn>
-                  </p:par>
-                  <p:par>
-                    <p:cTn id="31" fill="hold">
-                      <p:stCondLst>
-                        <p:cond delay="indefinite"/>
-                      </p:stCondLst>
-                      <p:childTnLst>
-                        <p:par>
-                          <p:cTn id="32" fill="hold">
-                            <p:stCondLst>
-                              <p:cond delay="0"/>
-                            </p:stCondLst>
-                            <p:childTnLst>
-                              <p:par>
-                                <p:cTn id="33" presetID="42" presetClass="entr" presetSubtype="0" fill="hold" grpId="0" nodeType="clickEffect">
-                                  <p:stCondLst>
-                                    <p:cond delay="0"/>
-                                  </p:stCondLst>
-                                  <p:childTnLst>
-                                    <p:set>
-                                      <p:cBhvr>
-                                        <p:cTn id="34" dur="1" fill="hold">
-                                          <p:stCondLst>
-                                            <p:cond delay="0"/>
-                                          </p:stCondLst>
-                                        </p:cTn>
-                                        <p:tgtEl>
-                                          <p:spTgt spid="3">
-                                            <p:txEl>
-                                              <p:pRg st="4" end="4"/>
-                                            </p:txEl>
-                                          </p:spTgt>
-                                        </p:tgtEl>
-                                        <p:attrNameLst>
-                                          <p:attrName>style.visibility</p:attrName>
-                                        </p:attrNameLst>
-                                      </p:cBhvr>
-                                      <p:to>
-                                        <p:strVal val="visible"/>
-                                      </p:to>
-                                    </p:set>
-                                    <p:animEffect transition="in" filter="fade">
-                                      <p:cBhvr>
-                                        <p:cTn id="35" dur="1000"/>
-                                        <p:tgtEl>
-                                          <p:spTgt spid="3">
-                                            <p:txEl>
-                                              <p:pRg st="4" end="4"/>
-                                            </p:txEl>
-                                          </p:spTgt>
-                                        </p:tgtEl>
-                                      </p:cBhvr>
-                                    </p:animEffect>
-                                    <p:anim calcmode="lin" valueType="num">
-                                      <p:cBhvr>
-                                        <p:cTn id="36" dur="1000" fill="hold"/>
-                                        <p:tgtEl>
-                                          <p:spTgt spid="3">
-                                            <p:txEl>
-                                              <p:pRg st="4" end="4"/>
-                                            </p:txEl>
-                                          </p:spTgt>
-                                        </p:tgtEl>
-                                        <p:attrNameLst>
-                                          <p:attrName>ppt_x</p:attrName>
-                                        </p:attrNameLst>
-                                      </p:cBhvr>
-                                      <p:tavLst>
-                                        <p:tav tm="0">
-                                          <p:val>
-                                            <p:strVal val="#ppt_x"/>
-                                          </p:val>
-                                        </p:tav>
-                                        <p:tav tm="100000">
-                                          <p:val>
-                                            <p:strVal val="#ppt_x"/>
-                                          </p:val>
-                                        </p:tav>
-                                      </p:tavLst>
-                                    </p:anim>
-                                    <p:anim calcmode="lin" valueType="num">
-                                      <p:cBhvr>
-                                        <p:cTn id="37" dur="1000" fill="hold"/>
-                                        <p:tgtEl>
-                                          <p:spTgt spid="3">
-                                            <p:txEl>
-                                              <p:pRg st="4" end="4"/>
-                                            </p:txEl>
-                                          </p:spTgt>
-                                        </p:tgtEl>
-                                        <p:attrNameLst>
-                                          <p:attrName>ppt_y</p:attrName>
-                                        </p:attrNameLst>
-                                      </p:cBhvr>
-                                      <p:tavLst>
-                                        <p:tav tm="0">
-                                          <p:val>
-                                            <p:strVal val="#ppt_y+.1"/>
-                                          </p:val>
-                                        </p:tav>
-                                        <p:tav tm="100000">
-                                          <p:val>
-                                            <p:strVal val="#ppt_y"/>
-                                          </p:val>
-                                        </p:tav>
-                                      </p:tavLst>
-                                    </p:anim>
-                                  </p:childTnLst>
-                                </p:cTn>
-                              </p:par>
-                            </p:childTnLst>
-                          </p:cTn>
-                        </p:par>
-                      </p:childTnLst>
-                    </p:cTn>
-                  </p:par>
-                </p:childTnLst>
-              </p:cTn>
-              <p:prevCondLst>
-                <p:cond evt="onPrev" delay="0">
-                  <p:tgtEl>
-                    <p:sldTgt/>
-                  </p:tgtEl>
-                </p:cond>
-              </p:prevCondLst>
-              <p:nextCondLst>
-                <p:cond evt="onNext" delay="0">
-                  <p:tgtEl>
-                    <p:sldTgt/>
-                  </p:tgtEl>
-                </p:cond>
-              </p:nextCondLst>
-            </p:seq>
-          </p:childTnLst>
-        </p:cTn>
-      </p:par>
-    </p:tnLst>
-    <p:bldLst>
-      <p:bldP spid="3" grpId="0" build="p"/>
-    </p:bldLst>
-  </p:timing>
-</p:sld>
-</file>
-
-<file path=ppt/slides/slide12.xml><?xml version="1.0" encoding="utf-8"?>
-<p:sld xmlns:a="http://schemas.openxmlformats.org/drawingml/2006/main" xmlns:r="http://schemas.openxmlformats.org/officeDocument/2006/relationships" xmlns:p="http://schemas.openxmlformats.org/presentationml/2006/main">
-  <p:cSld>
-    <p:spTree>
-      <p:nvGrpSpPr>
-        <p:cNvPr id="1" name=""/>
-        <p:cNvGrpSpPr/>
-        <p:nvPr/>
-      </p:nvGrpSpPr>
-      <p:grpSpPr>
-        <a:xfrm>
-          <a:off x="0" y="0"/>
-          <a:ext cx="0" cy="0"/>
-          <a:chOff x="0" y="0"/>
-          <a:chExt cx="0" cy="0"/>
-        </a:xfrm>
-      </p:grpSpPr>
-      <p:sp>
-        <p:nvSpPr>
-          <p:cNvPr id="2" name="Title 1"/>
-          <p:cNvSpPr>
-            <a:spLocks noGrp="1"/>
-          </p:cNvSpPr>
-          <p:nvPr>
-            <p:ph type="title"/>
-          </p:nvPr>
-        </p:nvSpPr>
-        <p:spPr/>
-        <p:txBody>
-          <a:bodyPr>
-            <a:normAutofit/>
-          </a:bodyPr>
-          <a:lstStyle/>
-          <a:p>
-            <a:r>
-              <a:rPr lang="en-US" b="1" dirty="0">
-                <a:latin typeface="Comic Sans MS" panose="030F0702030302020204" pitchFamily="66" charset="0"/>
-                <a:ea typeface="+mn-ea"/>
-                <a:cs typeface="MV Boli" panose="02000500030200090000" pitchFamily="2" charset="0"/>
-              </a:rPr>
-              <a:t>Querying historical data</a:t>
-            </a:r>
-          </a:p>
-        </p:txBody>
-      </p:sp>
       <p:pic>
         <p:nvPicPr>
           <p:cNvPr id="5" name="Picture 4">
@@ -7093,7 +6215,7 @@
 </p:sld>
 </file>
 
-<file path=ppt/slides/slide13.xml><?xml version="1.0" encoding="utf-8"?>
+<file path=ppt/slides/slide12.xml><?xml version="1.0" encoding="utf-8"?>
 <p:sld xmlns:a="http://schemas.openxmlformats.org/drawingml/2006/main" xmlns:r="http://schemas.openxmlformats.org/officeDocument/2006/relationships" xmlns:p="http://schemas.openxmlformats.org/presentationml/2006/main">
   <p:cSld>
     <p:spTree>
@@ -7521,7 +6643,7 @@
 </p:sld>
 </file>
 
-<file path=ppt/slides/slide14.xml><?xml version="1.0" encoding="utf-8"?>
+<file path=ppt/slides/slide13.xml><?xml version="1.0" encoding="utf-8"?>
 <p:sld xmlns:a="http://schemas.openxmlformats.org/drawingml/2006/main" xmlns:r="http://schemas.openxmlformats.org/officeDocument/2006/relationships" xmlns:p="http://schemas.openxmlformats.org/presentationml/2006/main">
   <p:cSld>
     <p:spTree>
@@ -13600,7 +12722,7 @@
                 <a:latin typeface="MV Boli" panose="02000500030200090000" pitchFamily="2" charset="0"/>
                 <a:cs typeface="MV Boli" panose="02000500030200090000" pitchFamily="2" charset="0"/>
               </a:rPr>
-              <a:t>the period columns and historical data are handled transparently by SQL Server such that the application can ignore them</a:t>
+              <a:t>The period columns and historical data are handled transparently by SQL Server such that the application can ignore them</a:t>
             </a:r>
           </a:p>
           <a:p>

--- a/documents/SQL Server Temporal Tables in EF Core 6.0.pptx
+++ b/documents/SQL Server Temporal Tables in EF Core 6.0.pptx
@@ -6923,6 +6923,33 @@
               <a:cs typeface="MV Boli" panose="02000500030200090000" pitchFamily="2" charset="0"/>
             </a:endParaRPr>
           </a:p>
+          <a:p>
+            <a:pPr algn="l" rtl="0">
+              <a:lnSpc>
+                <a:spcPct val="160000"/>
+              </a:lnSpc>
+            </a:pPr>
+            <a:r>
+              <a:rPr lang="en-US" sz="2400" b="1" dirty="0">
+                <a:solidFill>
+                  <a:srgbClr val="512CD4"/>
+                </a:solidFill>
+                <a:latin typeface="MV Boli" panose="02000500030200090000" pitchFamily="2" charset="0"/>
+                <a:cs typeface="MV Boli" panose="02000500030200090000" pitchFamily="2" charset="0"/>
+              </a:rPr>
+              <a:t>Blog: </a:t>
+            </a:r>
+            <a:r>
+              <a:rPr lang="en-US" sz="2400" b="1" u="sng" dirty="0">
+                <a:solidFill>
+                  <a:srgbClr val="512CD4"/>
+                </a:solidFill>
+                <a:latin typeface="MV Boli" panose="02000500030200090000" pitchFamily="2" charset="0"/>
+                <a:cs typeface="MV Boli" panose="02000500030200090000" pitchFamily="2" charset="0"/>
+              </a:rPr>
+              <a:t>https://jinget.medium.com</a:t>
+            </a:r>
+          </a:p>
         </p:txBody>
       </p:sp>
       <p:pic>
@@ -7707,6 +7734,152 @@
                                           <p:spTgt spid="3">
                                             <p:txEl>
                                               <p:pRg st="4" end="4"/>
+                                            </p:txEl>
+                                          </p:spTgt>
+                                        </p:tgtEl>
+                                        <p:attrNameLst>
+                                          <p:attrName>ppt_y</p:attrName>
+                                        </p:attrNameLst>
+                                      </p:cBhvr>
+                                      <p:tavLst>
+                                        <p:tav tm="0">
+                                          <p:val>
+                                            <p:strVal val="#ppt_y-.03"/>
+                                          </p:val>
+                                        </p:tav>
+                                        <p:tav tm="100000">
+                                          <p:val>
+                                            <p:strVal val="#ppt_y"/>
+                                          </p:val>
+                                        </p:tav>
+                                      </p:tavLst>
+                                    </p:anim>
+                                  </p:childTnLst>
+                                </p:cTn>
+                              </p:par>
+                            </p:childTnLst>
+                          </p:cTn>
+                        </p:par>
+                      </p:childTnLst>
+                    </p:cTn>
+                  </p:par>
+                  <p:par>
+                    <p:cTn id="43" fill="hold">
+                      <p:stCondLst>
+                        <p:cond delay="indefinite"/>
+                      </p:stCondLst>
+                      <p:childTnLst>
+                        <p:par>
+                          <p:cTn id="44" fill="hold">
+                            <p:stCondLst>
+                              <p:cond delay="0"/>
+                            </p:stCondLst>
+                            <p:childTnLst>
+                              <p:par>
+                                <p:cTn id="45" presetID="37" presetClass="entr" presetSubtype="0" fill="hold" grpId="0" nodeType="clickEffect">
+                                  <p:stCondLst>
+                                    <p:cond delay="0"/>
+                                  </p:stCondLst>
+                                  <p:childTnLst>
+                                    <p:set>
+                                      <p:cBhvr>
+                                        <p:cTn id="46" dur="1" fill="hold">
+                                          <p:stCondLst>
+                                            <p:cond delay="0"/>
+                                          </p:stCondLst>
+                                        </p:cTn>
+                                        <p:tgtEl>
+                                          <p:spTgt spid="3">
+                                            <p:txEl>
+                                              <p:pRg st="5" end="5"/>
+                                            </p:txEl>
+                                          </p:spTgt>
+                                        </p:tgtEl>
+                                        <p:attrNameLst>
+                                          <p:attrName>style.visibility</p:attrName>
+                                        </p:attrNameLst>
+                                      </p:cBhvr>
+                                      <p:to>
+                                        <p:strVal val="visible"/>
+                                      </p:to>
+                                    </p:set>
+                                    <p:animEffect transition="in" filter="fade">
+                                      <p:cBhvr>
+                                        <p:cTn id="47" dur="1000"/>
+                                        <p:tgtEl>
+                                          <p:spTgt spid="3">
+                                            <p:txEl>
+                                              <p:pRg st="5" end="5"/>
+                                            </p:txEl>
+                                          </p:spTgt>
+                                        </p:tgtEl>
+                                      </p:cBhvr>
+                                    </p:animEffect>
+                                    <p:anim calcmode="lin" valueType="num">
+                                      <p:cBhvr>
+                                        <p:cTn id="48" dur="1000" fill="hold"/>
+                                        <p:tgtEl>
+                                          <p:spTgt spid="3">
+                                            <p:txEl>
+                                              <p:pRg st="5" end="5"/>
+                                            </p:txEl>
+                                          </p:spTgt>
+                                        </p:tgtEl>
+                                        <p:attrNameLst>
+                                          <p:attrName>ppt_x</p:attrName>
+                                        </p:attrNameLst>
+                                      </p:cBhvr>
+                                      <p:tavLst>
+                                        <p:tav tm="0">
+                                          <p:val>
+                                            <p:strVal val="#ppt_x"/>
+                                          </p:val>
+                                        </p:tav>
+                                        <p:tav tm="100000">
+                                          <p:val>
+                                            <p:strVal val="#ppt_x"/>
+                                          </p:val>
+                                        </p:tav>
+                                      </p:tavLst>
+                                    </p:anim>
+                                    <p:anim calcmode="lin" valueType="num">
+                                      <p:cBhvr>
+                                        <p:cTn id="49" dur="900" decel="100000" fill="hold"/>
+                                        <p:tgtEl>
+                                          <p:spTgt spid="3">
+                                            <p:txEl>
+                                              <p:pRg st="5" end="5"/>
+                                            </p:txEl>
+                                          </p:spTgt>
+                                        </p:tgtEl>
+                                        <p:attrNameLst>
+                                          <p:attrName>ppt_y</p:attrName>
+                                        </p:attrNameLst>
+                                      </p:cBhvr>
+                                      <p:tavLst>
+                                        <p:tav tm="0">
+                                          <p:val>
+                                            <p:strVal val="#ppt_y+1"/>
+                                          </p:val>
+                                        </p:tav>
+                                        <p:tav tm="100000">
+                                          <p:val>
+                                            <p:strVal val="#ppt_y-.03"/>
+                                          </p:val>
+                                        </p:tav>
+                                      </p:tavLst>
+                                    </p:anim>
+                                    <p:anim calcmode="lin" valueType="num">
+                                      <p:cBhvr>
+                                        <p:cTn id="50" dur="100" accel="100000" fill="hold">
+                                          <p:stCondLst>
+                                            <p:cond delay="900"/>
+                                          </p:stCondLst>
+                                        </p:cTn>
+                                        <p:tgtEl>
+                                          <p:spTgt spid="3">
+                                            <p:txEl>
+                                              <p:pRg st="5" end="5"/>
                                             </p:txEl>
                                           </p:spTgt>
                                         </p:tgtEl>
